--- a/materials/2022暑期电路补习（全9讲）资料/电路复习9 线性动态电路暂态过程的复频域分析/电路复习9.pptx
+++ b/materials/2022暑期电路补习（全9讲）资料/电路复习9 线性动态电路暂态过程的复频域分析/电路复习9.pptx
@@ -266,7 +266,7 @@
           <a:p>
             <a:fld id="{D2DCD747-755D-4D4D-A50D-482537AB376F}" type="datetimeFigureOut">
               <a:rPr lang="zh-CN" altLang="en-US" smtClean="0"/>
-              <a:t>2022/8/24</a:t>
+              <a:t>2024/12/8</a:t>
             </a:fld>
             <a:endParaRPr lang="zh-CN" altLang="en-US"/>
           </a:p>
@@ -5437,11 +5437,11 @@
           <a:p>
             <a:r>
               <a:rPr lang="en-US" altLang="zh-CN" dirty="0"/>
-              <a:t>9.3 </a:t>
+              <a:t>9.2 </a:t>
             </a:r>
             <a:r>
               <a:rPr lang="zh-CN" altLang="en-US" dirty="0"/>
-              <a:t>复频域中电路定律与电路模型</a:t>
+              <a:t>拉普拉斯反变换</a:t>
             </a:r>
           </a:p>
         </p:txBody>
@@ -5606,11 +5606,11 @@
           <a:p>
             <a:r>
               <a:rPr lang="en-US" altLang="zh-CN" dirty="0"/>
-              <a:t>9.3 </a:t>
+              <a:t>9.2 </a:t>
             </a:r>
             <a:r>
               <a:rPr lang="zh-CN" altLang="en-US" dirty="0"/>
-              <a:t>复频域中电路定律与电路模型</a:t>
+              <a:t>拉普拉斯反变换</a:t>
             </a:r>
           </a:p>
         </p:txBody>
@@ -5991,7 +5991,7 @@
             </a:r>
             <a:r>
               <a:rPr lang="zh-CN" altLang="en-US" dirty="0"/>
-              <a:t>复频域中电路定律与电路模型</a:t>
+              <a:t>拉普拉斯反变换</a:t>
             </a:r>
           </a:p>
         </p:txBody>
@@ -6160,7 +6160,7 @@
             </a:r>
             <a:r>
               <a:rPr lang="zh-CN" altLang="en-US" dirty="0"/>
-              <a:t>复频域中电路定律与电路模型</a:t>
+              <a:t>拉普拉斯反变换</a:t>
             </a:r>
           </a:p>
         </p:txBody>
@@ -6640,11 +6640,11 @@
           <a:p>
             <a:r>
               <a:rPr lang="en-US" altLang="zh-CN" dirty="0"/>
-              <a:t>9.3 </a:t>
+              <a:t>9.2 </a:t>
             </a:r>
             <a:r>
               <a:rPr lang="zh-CN" altLang="en-US" dirty="0"/>
-              <a:t>复频域中电路定律与电路模型</a:t>
+              <a:t>拉普拉斯反变换</a:t>
             </a:r>
           </a:p>
         </p:txBody>
@@ -6815,11 +6815,11 @@
           <a:p>
             <a:r>
               <a:rPr lang="en-US" altLang="zh-CN" dirty="0"/>
-              <a:t>9.3 </a:t>
+              <a:t>9.2 </a:t>
             </a:r>
             <a:r>
               <a:rPr lang="zh-CN" altLang="en-US" dirty="0"/>
-              <a:t>复频域中电路定律与电路模型</a:t>
+              <a:t>拉普拉斯反变换</a:t>
             </a:r>
           </a:p>
         </p:txBody>
@@ -12976,7 +12976,7 @@
           <a:p>
             <a:r>
               <a:rPr lang="en-US" altLang="zh-CN" dirty="0"/>
-              <a:t>9.1  </a:t>
+              <a:t>9.1 </a:t>
             </a:r>
             <a:r>
               <a:rPr lang="zh-CN" altLang="en-US" dirty="0"/>
@@ -13769,7 +13769,7 @@
           <a:p>
             <a:r>
               <a:rPr lang="en-US" altLang="zh-CN" dirty="0"/>
-              <a:t>9.2</a:t>
+              <a:t>9.2 </a:t>
             </a:r>
             <a:r>
               <a:rPr lang="zh-CN" altLang="en-US" dirty="0"/>
@@ -13940,7 +13940,7 @@
           <a:p>
             <a:r>
               <a:rPr lang="en-US" altLang="zh-CN" dirty="0"/>
-              <a:t>9.2</a:t>
+              <a:t>9.2 </a:t>
             </a:r>
             <a:r>
               <a:rPr lang="zh-CN" altLang="en-US" dirty="0"/>
@@ -14135,7 +14135,7 @@
           <a:p>
             <a:r>
               <a:rPr lang="en-US" altLang="zh-CN" dirty="0"/>
-              <a:t>9.2</a:t>
+              <a:t>9.2 </a:t>
             </a:r>
             <a:r>
               <a:rPr lang="zh-CN" altLang="en-US" dirty="0"/>
